--- a/docs/Capstone Two Project Presentation.pptx
+++ b/docs/Capstone Two Project Presentation.pptx
@@ -123,7 +123,7 @@
 <file path=ppt/revisionInfo.xml><?xml version="1.0" encoding="utf-8"?>
 <p1510:revInfo xmlns:a="http://schemas.openxmlformats.org/drawingml/2006/main" xmlns:r="http://schemas.openxmlformats.org/officeDocument/2006/relationships" xmlns:p1510="http://schemas.microsoft.com/office/powerpoint/2015/10/main">
   <p1510:revLst>
-    <p1510:client id="{1369F96E-380B-47D6-86FF-3AD883AD1ACB}" v="14" dt="2025-04-07T02:02:24.438"/>
+    <p1510:client id="{1369F96E-380B-47D6-86FF-3AD883AD1ACB}" v="107" dt="2025-05-14T03:42:49.889"/>
   </p1510:revLst>
 </p1510:revInfo>
 </file>
@@ -133,64 +133,40 @@
   <pc:docChgLst>
     <pc:chgData name="Bini Teklehaimanot" userId="b19ea2b96be4e73e" providerId="LiveId" clId="{1369F96E-380B-47D6-86FF-3AD883AD1ACB}"/>
     <pc:docChg chg="undo custSel modSld">
-      <pc:chgData name="Bini Teklehaimanot" userId="b19ea2b96be4e73e" providerId="LiveId" clId="{1369F96E-380B-47D6-86FF-3AD883AD1ACB}" dt="2025-04-07T02:08:30.826" v="915" actId="6549"/>
+      <pc:chgData name="Bini Teklehaimanot" userId="b19ea2b96be4e73e" providerId="LiveId" clId="{1369F96E-380B-47D6-86FF-3AD883AD1ACB}" dt="2025-05-14T03:45:13.829" v="1243" actId="1076"/>
       <pc:docMkLst>
         <pc:docMk/>
       </pc:docMkLst>
       <pc:sldChg chg="addSp delSp modSp mod setBg delDesignElem">
-        <pc:chgData name="Bini Teklehaimanot" userId="b19ea2b96be4e73e" providerId="LiveId" clId="{1369F96E-380B-47D6-86FF-3AD883AD1ACB}" dt="2025-04-07T00:24:31.992" v="364" actId="207"/>
+        <pc:chgData name="Bini Teklehaimanot" userId="b19ea2b96be4e73e" providerId="LiveId" clId="{1369F96E-380B-47D6-86FF-3AD883AD1ACB}" dt="2025-05-14T03:25:17.925" v="1163" actId="403"/>
         <pc:sldMkLst>
           <pc:docMk/>
           <pc:sldMk cId="3455351313" sldId="259"/>
         </pc:sldMkLst>
         <pc:spChg chg="mod">
-          <ac:chgData name="Bini Teklehaimanot" userId="b19ea2b96be4e73e" providerId="LiveId" clId="{1369F96E-380B-47D6-86FF-3AD883AD1ACB}" dt="2025-04-07T00:24:31.992" v="364" actId="207"/>
+          <ac:chgData name="Bini Teklehaimanot" userId="b19ea2b96be4e73e" providerId="LiveId" clId="{1369F96E-380B-47D6-86FF-3AD883AD1ACB}" dt="2025-05-14T03:21:08.175" v="1142" actId="14100"/>
           <ac:spMkLst>
             <pc:docMk/>
             <pc:sldMk cId="3455351313" sldId="259"/>
             <ac:spMk id="2" creationId="{70E24D16-5F27-B84E-530D-4FD472F12F15}"/>
           </ac:spMkLst>
         </pc:spChg>
-        <pc:spChg chg="del mod">
-          <ac:chgData name="Bini Teklehaimanot" userId="b19ea2b96be4e73e" providerId="LiveId" clId="{1369F96E-380B-47D6-86FF-3AD883AD1ACB}" dt="2025-04-07T00:03:56.302" v="62" actId="34807"/>
+        <pc:spChg chg="add">
+          <ac:chgData name="Bini Teklehaimanot" userId="b19ea2b96be4e73e" providerId="LiveId" clId="{1369F96E-380B-47D6-86FF-3AD883AD1ACB}" dt="2025-05-14T03:20:01.980" v="1124"/>
           <ac:spMkLst>
             <pc:docMk/>
             <pc:sldMk cId="3455351313" sldId="259"/>
-            <ac:spMk id="3" creationId="{C7F39535-E89A-EB40-E93D-AA59B554E717}"/>
+            <ac:spMk id="3" creationId="{97F2788B-A5F5-3FB6-8885-4058A08E8682}"/>
           </ac:spMkLst>
         </pc:spChg>
         <pc:spChg chg="add mod">
-          <ac:chgData name="Bini Teklehaimanot" userId="b19ea2b96be4e73e" providerId="LiveId" clId="{1369F96E-380B-47D6-86FF-3AD883AD1ACB}" dt="2025-04-07T00:24:23.795" v="363" actId="27636"/>
+          <ac:chgData name="Bini Teklehaimanot" userId="b19ea2b96be4e73e" providerId="LiveId" clId="{1369F96E-380B-47D6-86FF-3AD883AD1ACB}" dt="2025-05-14T03:25:17.925" v="1163" actId="403"/>
           <ac:spMkLst>
             <pc:docMk/>
             <pc:sldMk cId="3455351313" sldId="259"/>
             <ac:spMk id="8" creationId="{21390B93-AC65-56F2-CC53-B92C00397084}"/>
           </ac:spMkLst>
         </pc:spChg>
-        <pc:spChg chg="add del">
-          <ac:chgData name="Bini Teklehaimanot" userId="b19ea2b96be4e73e" providerId="LiveId" clId="{1369F96E-380B-47D6-86FF-3AD883AD1ACB}" dt="2025-04-07T00:05:02.439" v="75"/>
-          <ac:spMkLst>
-            <pc:docMk/>
-            <pc:sldMk cId="3455351313" sldId="259"/>
-            <ac:spMk id="11" creationId="{E09CCB3F-DBCE-4964-9E34-8C5DE80EF4B5}"/>
-          </ac:spMkLst>
-        </pc:spChg>
-        <pc:spChg chg="add del">
-          <ac:chgData name="Bini Teklehaimanot" userId="b19ea2b96be4e73e" providerId="LiveId" clId="{1369F96E-380B-47D6-86FF-3AD883AD1ACB}" dt="2025-04-07T00:05:02.439" v="75"/>
-          <ac:spMkLst>
-            <pc:docMk/>
-            <pc:sldMk cId="3455351313" sldId="259"/>
-            <ac:spMk id="13" creationId="{1DFF944F-74BA-483A-82C0-64E3AAF4AE98}"/>
-          </ac:spMkLst>
-        </pc:spChg>
-        <pc:grpChg chg="add del">
-          <ac:chgData name="Bini Teklehaimanot" userId="b19ea2b96be4e73e" providerId="LiveId" clId="{1369F96E-380B-47D6-86FF-3AD883AD1ACB}" dt="2025-04-07T00:05:02.439" v="75"/>
-          <ac:grpSpMkLst>
-            <pc:docMk/>
-            <pc:sldMk cId="3455351313" sldId="259"/>
-            <ac:grpSpMk id="15" creationId="{A9733A91-F958-4629-801A-3F6F1E09AD64}"/>
-          </ac:grpSpMkLst>
-        </pc:grpChg>
         <pc:picChg chg="add mod ord">
           <ac:chgData name="Bini Teklehaimanot" userId="b19ea2b96be4e73e" providerId="LiveId" clId="{1369F96E-380B-47D6-86FF-3AD883AD1ACB}" dt="2025-04-07T00:04:54.682" v="73" actId="26606"/>
           <ac:picMkLst>
@@ -214,76 +190,12 @@
             <ac:spMk id="2" creationId="{0D1F047C-C727-42A7-85C5-68C5AA1B1A93}"/>
           </ac:spMkLst>
         </pc:spChg>
-        <pc:spChg chg="del mod">
-          <ac:chgData name="Bini Teklehaimanot" userId="b19ea2b96be4e73e" providerId="LiveId" clId="{1369F96E-380B-47D6-86FF-3AD883AD1ACB}" dt="2025-04-07T00:14:40.202" v="115" actId="478"/>
-          <ac:spMkLst>
-            <pc:docMk/>
-            <pc:sldMk cId="1583120128" sldId="280"/>
-            <ac:spMk id="3" creationId="{DB93FB3F-A8D4-46D3-A1C6-C79C64563729}"/>
-          </ac:spMkLst>
-        </pc:spChg>
-        <pc:spChg chg="del">
-          <ac:chgData name="Bini Teklehaimanot" userId="b19ea2b96be4e73e" providerId="LiveId" clId="{1369F96E-380B-47D6-86FF-3AD883AD1ACB}" dt="2025-04-07T00:04:36.110" v="71"/>
-          <ac:spMkLst>
-            <pc:docMk/>
-            <pc:sldMk cId="1583120128" sldId="280"/>
-            <ac:spMk id="96" creationId="{FE469E50-3893-4ED6-92BA-2985C32B0CA6}"/>
-          </ac:spMkLst>
-        </pc:spChg>
-        <pc:picChg chg="add del mod ord">
-          <ac:chgData name="Bini Teklehaimanot" userId="b19ea2b96be4e73e" providerId="LiveId" clId="{1369F96E-380B-47D6-86FF-3AD883AD1ACB}" dt="2025-04-07T00:00:54.089" v="57" actId="478"/>
-          <ac:picMkLst>
-            <pc:docMk/>
-            <pc:sldMk cId="1583120128" sldId="280"/>
-            <ac:picMk id="4" creationId="{11AD180A-05EA-C82B-A19A-7F0FE3908AAB}"/>
-          </ac:picMkLst>
-        </pc:picChg>
-        <pc:picChg chg="add del">
-          <ac:chgData name="Bini Teklehaimanot" userId="b19ea2b96be4e73e" providerId="LiveId" clId="{1369F96E-380B-47D6-86FF-3AD883AD1ACB}" dt="2025-04-06T23:51:49.608" v="29" actId="478"/>
-          <ac:picMkLst>
-            <pc:docMk/>
-            <pc:sldMk cId="1583120128" sldId="280"/>
-            <ac:picMk id="4" creationId="{25D0DBC6-24CF-9B96-DD10-7DF25F6B4F19}"/>
-          </ac:picMkLst>
-        </pc:picChg>
-        <pc:picChg chg="add del">
-          <ac:chgData name="Bini Teklehaimanot" userId="b19ea2b96be4e73e" providerId="LiveId" clId="{1369F96E-380B-47D6-86FF-3AD883AD1ACB}" dt="2025-04-06T23:58:36.588" v="53" actId="478"/>
-          <ac:picMkLst>
-            <pc:docMk/>
-            <pc:sldMk cId="1583120128" sldId="280"/>
-            <ac:picMk id="5" creationId="{44B937DD-E40A-B87B-D93A-605F658E6BBF}"/>
-          </ac:picMkLst>
-        </pc:picChg>
         <pc:picChg chg="add mod ord">
           <ac:chgData name="Bini Teklehaimanot" userId="b19ea2b96be4e73e" providerId="LiveId" clId="{1369F96E-380B-47D6-86FF-3AD883AD1ACB}" dt="2025-04-07T00:14:16.779" v="112" actId="1076"/>
           <ac:picMkLst>
             <pc:docMk/>
             <pc:sldMk cId="1583120128" sldId="280"/>
             <ac:picMk id="5" creationId="{7581D628-1DC8-6696-E61B-211B31794B7B}"/>
-          </ac:picMkLst>
-        </pc:picChg>
-        <pc:picChg chg="add del">
-          <ac:chgData name="Bini Teklehaimanot" userId="b19ea2b96be4e73e" providerId="LiveId" clId="{1369F96E-380B-47D6-86FF-3AD883AD1ACB}" dt="2025-04-06T23:55:34.360" v="37" actId="478"/>
-          <ac:picMkLst>
-            <pc:docMk/>
-            <pc:sldMk cId="1583120128" sldId="280"/>
-            <ac:picMk id="5" creationId="{8C9FBE67-A476-ED19-1988-72DF1023CD68}"/>
-          </ac:picMkLst>
-        </pc:picChg>
-        <pc:picChg chg="add del">
-          <ac:chgData name="Bini Teklehaimanot" userId="b19ea2b96be4e73e" providerId="LiveId" clId="{1369F96E-380B-47D6-86FF-3AD883AD1ACB}" dt="2025-04-06T23:58:34.566" v="52" actId="478"/>
-          <ac:picMkLst>
-            <pc:docMk/>
-            <pc:sldMk cId="1583120128" sldId="280"/>
-            <ac:picMk id="6" creationId="{7B53B0F6-C610-5B23-988A-A02CE5026F82}"/>
-          </ac:picMkLst>
-        </pc:picChg>
-        <pc:picChg chg="del">
-          <ac:chgData name="Bini Teklehaimanot" userId="b19ea2b96be4e73e" providerId="LiveId" clId="{1369F96E-380B-47D6-86FF-3AD883AD1ACB}" dt="2025-04-06T23:51:52.173" v="30" actId="478"/>
-          <ac:picMkLst>
-            <pc:docMk/>
-            <pc:sldMk cId="1583120128" sldId="280"/>
-            <ac:picMk id="6" creationId="{9A5D9ED1-DFCC-4799-89E2-D118451B98DF}"/>
           </ac:picMkLst>
         </pc:picChg>
       </pc:sldChg>
@@ -301,22 +213,6 @@
             <ac:spMk id="2" creationId="{ED8DE3BE-3914-4D99-B462-B9DF82CF28DC}"/>
           </ac:spMkLst>
         </pc:spChg>
-        <pc:spChg chg="del">
-          <ac:chgData name="Bini Teklehaimanot" userId="b19ea2b96be4e73e" providerId="LiveId" clId="{1369F96E-380B-47D6-86FF-3AD883AD1ACB}" dt="2025-04-07T00:04:36.110" v="71"/>
-          <ac:spMkLst>
-            <pc:docMk/>
-            <pc:sldMk cId="3233381118" sldId="283"/>
-            <ac:spMk id="13" creationId="{D30579BA-22EC-41CB-82B7-65D5DFCA603C}"/>
-          </ac:spMkLst>
-        </pc:spChg>
-        <pc:spChg chg="del">
-          <ac:chgData name="Bini Teklehaimanot" userId="b19ea2b96be4e73e" providerId="LiveId" clId="{1369F96E-380B-47D6-86FF-3AD883AD1ACB}" dt="2025-04-07T00:04:36.110" v="71"/>
-          <ac:spMkLst>
-            <pc:docMk/>
-            <pc:sldMk cId="3233381118" sldId="283"/>
-            <ac:spMk id="14" creationId="{FE469E50-3893-4ED6-92BA-2985C32B0CA6}"/>
-          </ac:spMkLst>
-        </pc:spChg>
         <pc:graphicFrameChg chg="mod modGraphic">
           <ac:chgData name="Bini Teklehaimanot" userId="b19ea2b96be4e73e" providerId="LiveId" clId="{1369F96E-380B-47D6-86FF-3AD883AD1ACB}" dt="2025-04-07T00:05:32.947" v="81" actId="26606"/>
           <ac:graphicFrameMkLst>
@@ -325,47 +221,23 @@
             <ac:graphicFrameMk id="15" creationId="{D3AED290-3281-37D8-D39B-638D89F3B990}"/>
           </ac:graphicFrameMkLst>
         </pc:graphicFrameChg>
-        <pc:picChg chg="add del">
-          <ac:chgData name="Bini Teklehaimanot" userId="b19ea2b96be4e73e" providerId="LiveId" clId="{1369F96E-380B-47D6-86FF-3AD883AD1ACB}" dt="2025-04-06T23:59:12.745" v="54" actId="478"/>
-          <ac:picMkLst>
-            <pc:docMk/>
-            <pc:sldMk cId="3233381118" sldId="283"/>
-            <ac:picMk id="3" creationId="{CDB18183-884F-BA17-7EA9-5A8A120D9D61}"/>
-          </ac:picMkLst>
-        </pc:picChg>
       </pc:sldChg>
       <pc:sldChg chg="addSp delSp modSp mod setBg">
-        <pc:chgData name="Bini Teklehaimanot" userId="b19ea2b96be4e73e" providerId="LiveId" clId="{1369F96E-380B-47D6-86FF-3AD883AD1ACB}" dt="2025-04-07T01:53:51.785" v="531" actId="403"/>
+        <pc:chgData name="Bini Teklehaimanot" userId="b19ea2b96be4e73e" providerId="LiveId" clId="{1369F96E-380B-47D6-86FF-3AD883AD1ACB}" dt="2025-05-14T03:35:21.992" v="1175" actId="167"/>
         <pc:sldMkLst>
           <pc:docMk/>
           <pc:sldMk cId="215662996" sldId="284"/>
         </pc:sldMkLst>
         <pc:spChg chg="mod">
-          <ac:chgData name="Bini Teklehaimanot" userId="b19ea2b96be4e73e" providerId="LiveId" clId="{1369F96E-380B-47D6-86FF-3AD883AD1ACB}" dt="2025-04-07T00:06:19.375" v="83" actId="26606"/>
+          <ac:chgData name="Bini Teklehaimanot" userId="b19ea2b96be4e73e" providerId="LiveId" clId="{1369F96E-380B-47D6-86FF-3AD883AD1ACB}" dt="2025-05-14T03:35:02.949" v="1171" actId="1076"/>
           <ac:spMkLst>
             <pc:docMk/>
             <pc:sldMk cId="215662996" sldId="284"/>
             <ac:spMk id="2" creationId="{A2492806-D90C-27C6-BA79-E679876385E6}"/>
           </ac:spMkLst>
         </pc:spChg>
-        <pc:spChg chg="del mod">
-          <ac:chgData name="Bini Teklehaimanot" userId="b19ea2b96be4e73e" providerId="LiveId" clId="{1369F96E-380B-47D6-86FF-3AD883AD1ACB}" dt="2025-04-07T00:06:03.927" v="82" actId="34807"/>
-          <ac:spMkLst>
-            <pc:docMk/>
-            <pc:sldMk cId="215662996" sldId="284"/>
-            <ac:spMk id="3" creationId="{E5C9F1AF-25BA-24DA-0221-9743BF2A2001}"/>
-          </ac:spMkLst>
-        </pc:spChg>
-        <pc:spChg chg="add del">
-          <ac:chgData name="Bini Teklehaimanot" userId="b19ea2b96be4e73e" providerId="LiveId" clId="{1369F96E-380B-47D6-86FF-3AD883AD1ACB}" dt="2025-04-07T01:50:22.603" v="365" actId="22"/>
-          <ac:spMkLst>
-            <pc:docMk/>
-            <pc:sldMk cId="215662996" sldId="284"/>
-            <ac:spMk id="8" creationId="{F2B06DE2-B9B2-87BB-27D7-72E782157FED}"/>
-          </ac:spMkLst>
-        </pc:spChg>
         <pc:spChg chg="add mod">
-          <ac:chgData name="Bini Teklehaimanot" userId="b19ea2b96be4e73e" providerId="LiveId" clId="{1369F96E-380B-47D6-86FF-3AD883AD1ACB}" dt="2025-04-07T01:53:51.785" v="531" actId="403"/>
+          <ac:chgData name="Bini Teklehaimanot" userId="b19ea2b96be4e73e" providerId="LiveId" clId="{1369F96E-380B-47D6-86FF-3AD883AD1ACB}" dt="2025-05-14T03:35:09.823" v="1173" actId="20577"/>
           <ac:spMkLst>
             <pc:docMk/>
             <pc:sldMk cId="215662996" sldId="284"/>
@@ -381,31 +253,15 @@
           </ac:spMkLst>
         </pc:spChg>
         <pc:picChg chg="add mod ord">
-          <ac:chgData name="Bini Teklehaimanot" userId="b19ea2b96be4e73e" providerId="LiveId" clId="{1369F96E-380B-47D6-86FF-3AD883AD1ACB}" dt="2025-04-07T00:06:19.375" v="83" actId="26606"/>
+          <ac:chgData name="Bini Teklehaimanot" userId="b19ea2b96be4e73e" providerId="LiveId" clId="{1369F96E-380B-47D6-86FF-3AD883AD1ACB}" dt="2025-05-14T03:35:21.992" v="1175" actId="167"/>
           <ac:picMkLst>
             <pc:docMk/>
             <pc:sldMk cId="215662996" sldId="284"/>
             <ac:picMk id="4" creationId="{D1E17D70-4C17-AFC6-36F1-77A7880C8BC2}"/>
           </ac:picMkLst>
         </pc:picChg>
-        <pc:picChg chg="del">
-          <ac:chgData name="Bini Teklehaimanot" userId="b19ea2b96be4e73e" providerId="LiveId" clId="{1369F96E-380B-47D6-86FF-3AD883AD1ACB}" dt="2025-04-06T23:56:34.548" v="43" actId="478"/>
-          <ac:picMkLst>
-            <pc:docMk/>
-            <pc:sldMk cId="215662996" sldId="284"/>
-            <ac:picMk id="5" creationId="{9DFA95E6-E0A0-5AD0-CFBD-DB9F32A52AEF}"/>
-          </ac:picMkLst>
-        </pc:picChg>
-        <pc:picChg chg="del">
-          <ac:chgData name="Bini Teklehaimanot" userId="b19ea2b96be4e73e" providerId="LiveId" clId="{1369F96E-380B-47D6-86FF-3AD883AD1ACB}" dt="2025-04-06T23:56:32.316" v="42" actId="478"/>
-          <ac:picMkLst>
-            <pc:docMk/>
-            <pc:sldMk cId="215662996" sldId="284"/>
-            <ac:picMk id="7" creationId="{0C2BF7C4-22CE-D4D5-E925-C84E4F0B9B92}"/>
-          </ac:picMkLst>
-        </pc:picChg>
         <pc:picChg chg="add mod ord">
-          <ac:chgData name="Bini Teklehaimanot" userId="b19ea2b96be4e73e" providerId="LiveId" clId="{1369F96E-380B-47D6-86FF-3AD883AD1ACB}" dt="2025-04-07T01:50:41.624" v="370" actId="1076"/>
+          <ac:chgData name="Bini Teklehaimanot" userId="b19ea2b96be4e73e" providerId="LiveId" clId="{1369F96E-380B-47D6-86FF-3AD883AD1ACB}" dt="2025-05-14T03:35:18.014" v="1174" actId="1076"/>
           <ac:picMkLst>
             <pc:docMk/>
             <pc:sldMk cId="215662996" sldId="284"/>
@@ -422,49 +278,41 @@
         </pc:cxnChg>
       </pc:sldChg>
       <pc:sldChg chg="addSp delSp modSp mod setBg">
-        <pc:chgData name="Bini Teklehaimanot" userId="b19ea2b96be4e73e" providerId="LiveId" clId="{1369F96E-380B-47D6-86FF-3AD883AD1ACB}" dt="2025-04-07T02:08:30.826" v="915" actId="6549"/>
+        <pc:chgData name="Bini Teklehaimanot" userId="b19ea2b96be4e73e" providerId="LiveId" clId="{1369F96E-380B-47D6-86FF-3AD883AD1ACB}" dt="2025-05-14T03:38:46.384" v="1214" actId="20577"/>
         <pc:sldMkLst>
           <pc:docMk/>
           <pc:sldMk cId="1566218753" sldId="287"/>
         </pc:sldMkLst>
         <pc:spChg chg="mod">
-          <ac:chgData name="Bini Teklehaimanot" userId="b19ea2b96be4e73e" providerId="LiveId" clId="{1369F96E-380B-47D6-86FF-3AD883AD1ACB}" dt="2025-04-07T00:07:06.364" v="91" actId="26606"/>
+          <ac:chgData name="Bini Teklehaimanot" userId="b19ea2b96be4e73e" providerId="LiveId" clId="{1369F96E-380B-47D6-86FF-3AD883AD1ACB}" dt="2025-05-14T03:04:03.627" v="921" actId="14100"/>
           <ac:spMkLst>
             <pc:docMk/>
             <pc:sldMk cId="1566218753" sldId="287"/>
             <ac:spMk id="2" creationId="{B54BF1EA-2160-A7E4-83F8-284B2B690DDD}"/>
           </ac:spMkLst>
         </pc:spChg>
-        <pc:spChg chg="del mod">
-          <ac:chgData name="Bini Teklehaimanot" userId="b19ea2b96be4e73e" providerId="LiveId" clId="{1369F96E-380B-47D6-86FF-3AD883AD1ACB}" dt="2025-04-07T00:06:30.545" v="84" actId="34807"/>
+        <pc:spChg chg="add del mod">
+          <ac:chgData name="Bini Teklehaimanot" userId="b19ea2b96be4e73e" providerId="LiveId" clId="{1369F96E-380B-47D6-86FF-3AD883AD1ACB}" dt="2025-05-14T03:06:54.349" v="1022" actId="478"/>
           <ac:spMkLst>
             <pc:docMk/>
             <pc:sldMk cId="1566218753" sldId="287"/>
-            <ac:spMk id="3" creationId="{6D2F2049-CD29-26B2-9841-66F01959579B}"/>
+            <ac:spMk id="6" creationId="{FBEC8684-8E15-8364-8780-E8DE02C9E32B}"/>
           </ac:spMkLst>
         </pc:spChg>
-        <pc:spChg chg="add del">
-          <ac:chgData name="Bini Teklehaimanot" userId="b19ea2b96be4e73e" providerId="LiveId" clId="{1369F96E-380B-47D6-86FF-3AD883AD1ACB}" dt="2025-04-07T00:06:56.349" v="87" actId="26606"/>
+        <pc:spChg chg="add mod">
+          <ac:chgData name="Bini Teklehaimanot" userId="b19ea2b96be4e73e" providerId="LiveId" clId="{1369F96E-380B-47D6-86FF-3AD883AD1ACB}" dt="2025-05-14T03:38:46.384" v="1214" actId="20577"/>
           <ac:spMkLst>
             <pc:docMk/>
             <pc:sldMk cId="1566218753" sldId="287"/>
-            <ac:spMk id="8" creationId="{C6E75C93-7C34-9F9F-BA03-3FA683D17369}"/>
+            <ac:spMk id="7" creationId="{3AF3A458-250E-4E1E-0F64-0315AAAF1DD6}"/>
           </ac:spMkLst>
         </pc:spChg>
-        <pc:spChg chg="add mod ord">
-          <ac:chgData name="Bini Teklehaimanot" userId="b19ea2b96be4e73e" providerId="LiveId" clId="{1369F96E-380B-47D6-86FF-3AD883AD1ACB}" dt="2025-04-07T02:08:30.826" v="915" actId="6549"/>
+        <pc:spChg chg="add del mod ord">
+          <ac:chgData name="Bini Teklehaimanot" userId="b19ea2b96be4e73e" providerId="LiveId" clId="{1369F96E-380B-47D6-86FF-3AD883AD1ACB}" dt="2025-05-14T03:06:23.761" v="1014" actId="478"/>
           <ac:spMkLst>
             <pc:docMk/>
             <pc:sldMk cId="1566218753" sldId="287"/>
             <ac:spMk id="10" creationId="{021428E1-775E-65D2-B3D3-5642B0BFFD43}"/>
-          </ac:spMkLst>
-        </pc:spChg>
-        <pc:spChg chg="add del">
-          <ac:chgData name="Bini Teklehaimanot" userId="b19ea2b96be4e73e" providerId="LiveId" clId="{1369F96E-380B-47D6-86FF-3AD883AD1ACB}" dt="2025-04-07T00:07:06.364" v="91" actId="26606"/>
-          <ac:spMkLst>
-            <pc:docMk/>
-            <pc:sldMk cId="1566218753" sldId="287"/>
-            <ac:spMk id="11" creationId="{6109556B-EAE9-4435-B409-0519F2CBDB14}"/>
           </ac:spMkLst>
         </pc:spChg>
         <pc:spChg chg="add">
@@ -483,63 +331,39 @@
             <ac:spMk id="20" creationId="{73ED6512-6858-4552-B699-9A97FE9A4EA2}"/>
           </ac:spMkLst>
         </pc:spChg>
+        <pc:graphicFrameChg chg="add mod ord modGraphic">
+          <ac:chgData name="Bini Teklehaimanot" userId="b19ea2b96be4e73e" providerId="LiveId" clId="{1369F96E-380B-47D6-86FF-3AD883AD1ACB}" dt="2025-05-14T03:07:59.989" v="1034" actId="14100"/>
+          <ac:graphicFrameMkLst>
+            <pc:docMk/>
+            <pc:sldMk cId="1566218753" sldId="287"/>
+            <ac:graphicFrameMk id="3" creationId="{9CE18314-ED40-08EC-48FB-9BC7C41A3A64}"/>
+          </ac:graphicFrameMkLst>
+        </pc:graphicFrameChg>
         <pc:picChg chg="add mod ord">
-          <ac:chgData name="Bini Teklehaimanot" userId="b19ea2b96be4e73e" providerId="LiveId" clId="{1369F96E-380B-47D6-86FF-3AD883AD1ACB}" dt="2025-04-07T00:07:06.364" v="91" actId="26606"/>
+          <ac:chgData name="Bini Teklehaimanot" userId="b19ea2b96be4e73e" providerId="LiveId" clId="{1369F96E-380B-47D6-86FF-3AD883AD1ACB}" dt="2025-05-14T03:10:45.965" v="1039" actId="1076"/>
           <ac:picMkLst>
             <pc:docMk/>
             <pc:sldMk cId="1566218753" sldId="287"/>
             <ac:picMk id="4" creationId="{2DB699D6-03B3-A2A7-05B3-C217721DC5F8}"/>
           </ac:picMkLst>
         </pc:picChg>
-        <pc:picChg chg="del">
-          <ac:chgData name="Bini Teklehaimanot" userId="b19ea2b96be4e73e" providerId="LiveId" clId="{1369F96E-380B-47D6-86FF-3AD883AD1ACB}" dt="2025-04-06T23:56:42.088" v="45" actId="478"/>
-          <ac:picMkLst>
-            <pc:docMk/>
-            <pc:sldMk cId="1566218753" sldId="287"/>
-            <ac:picMk id="6" creationId="{CE2EB656-3EBB-2E67-43C5-3B637DAA3E19}"/>
-          </ac:picMkLst>
-        </pc:picChg>
         <pc:picChg chg="add del mod">
-          <ac:chgData name="Bini Teklehaimanot" userId="b19ea2b96be4e73e" providerId="LiveId" clId="{1369F96E-380B-47D6-86FF-3AD883AD1ACB}" dt="2025-04-07T02:02:21.428" v="732" actId="21"/>
-          <ac:picMkLst>
-            <pc:docMk/>
-            <pc:sldMk cId="1566218753" sldId="287"/>
-            <ac:picMk id="7" creationId="{2D3B4D2A-F60C-6EC4-4346-FE834BA973F7}"/>
-          </ac:picMkLst>
-        </pc:picChg>
-        <pc:picChg chg="del">
-          <ac:chgData name="Bini Teklehaimanot" userId="b19ea2b96be4e73e" providerId="LiveId" clId="{1369F96E-380B-47D6-86FF-3AD883AD1ACB}" dt="2025-04-06T23:56:43.709" v="46" actId="478"/>
-          <ac:picMkLst>
-            <pc:docMk/>
-            <pc:sldMk cId="1566218753" sldId="287"/>
-            <ac:picMk id="9" creationId="{0E8F8A59-1006-EC7D-B52B-8E00B12DFED2}"/>
-          </ac:picMkLst>
-        </pc:picChg>
-        <pc:picChg chg="add mod">
-          <ac:chgData name="Bini Teklehaimanot" userId="b19ea2b96be4e73e" providerId="LiveId" clId="{1369F96E-380B-47D6-86FF-3AD883AD1ACB}" dt="2025-04-07T02:08:26.808" v="913" actId="1076"/>
+          <ac:chgData name="Bini Teklehaimanot" userId="b19ea2b96be4e73e" providerId="LiveId" clId="{1369F96E-380B-47D6-86FF-3AD883AD1ACB}" dt="2025-05-14T03:03:03.939" v="916" actId="478"/>
           <ac:picMkLst>
             <pc:docMk/>
             <pc:sldMk cId="1566218753" sldId="287"/>
             <ac:picMk id="14" creationId="{6B000FA2-7586-5333-065A-3A2A4F9E4468}"/>
           </ac:picMkLst>
         </pc:picChg>
-        <pc:cxnChg chg="add del">
-          <ac:chgData name="Bini Teklehaimanot" userId="b19ea2b96be4e73e" providerId="LiveId" clId="{1369F96E-380B-47D6-86FF-3AD883AD1ACB}" dt="2025-04-07T00:07:06.364" v="91" actId="26606"/>
-          <ac:cxnSpMkLst>
-            <pc:docMk/>
-            <pc:sldMk cId="1566218753" sldId="287"/>
-            <ac:cxnSpMk id="13" creationId="{5814CCBE-423E-41B2-A9F3-82679F490EF4}"/>
-          </ac:cxnSpMkLst>
-        </pc:cxnChg>
       </pc:sldChg>
       <pc:sldChg chg="addSp delSp modSp mod setBg">
-        <pc:chgData name="Bini Teklehaimanot" userId="b19ea2b96be4e73e" providerId="LiveId" clId="{1369F96E-380B-47D6-86FF-3AD883AD1ACB}" dt="2025-04-07T02:02:30.682" v="734" actId="1076"/>
+        <pc:chgData name="Bini Teklehaimanot" userId="b19ea2b96be4e73e" providerId="LiveId" clId="{1369F96E-380B-47D6-86FF-3AD883AD1ACB}" dt="2025-05-14T03:45:13.829" v="1243" actId="1076"/>
         <pc:sldMkLst>
           <pc:docMk/>
           <pc:sldMk cId="2881765800" sldId="288"/>
         </pc:sldMkLst>
         <pc:spChg chg="mod">
-          <ac:chgData name="Bini Teklehaimanot" userId="b19ea2b96be4e73e" providerId="LiveId" clId="{1369F96E-380B-47D6-86FF-3AD883AD1ACB}" dt="2025-04-07T00:12:34.387" v="102" actId="26606"/>
+          <ac:chgData name="Bini Teklehaimanot" userId="b19ea2b96be4e73e" providerId="LiveId" clId="{1369F96E-380B-47D6-86FF-3AD883AD1ACB}" dt="2025-05-14T03:45:10.396" v="1242" actId="1076"/>
           <ac:spMkLst>
             <pc:docMk/>
             <pc:sldMk cId="2881765800" sldId="288"/>
@@ -555,23 +379,7 @@
           </ac:spMkLst>
         </pc:spChg>
         <pc:spChg chg="add mod">
-          <ac:chgData name="Bini Teklehaimanot" userId="b19ea2b96be4e73e" providerId="LiveId" clId="{1369F96E-380B-47D6-86FF-3AD883AD1ACB}" dt="2025-04-07T00:09:40.749" v="94"/>
-          <ac:spMkLst>
-            <pc:docMk/>
-            <pc:sldMk cId="2881765800" sldId="288"/>
-            <ac:spMk id="6" creationId="{87CBA390-3A76-7C80-13B3-D9CF778D0B1E}"/>
-          </ac:spMkLst>
-        </pc:spChg>
-        <pc:spChg chg="add del mod">
-          <ac:chgData name="Bini Teklehaimanot" userId="b19ea2b96be4e73e" providerId="LiveId" clId="{1369F96E-380B-47D6-86FF-3AD883AD1ACB}" dt="2025-04-07T02:01:41.429" v="723"/>
-          <ac:spMkLst>
-            <pc:docMk/>
-            <pc:sldMk cId="2881765800" sldId="288"/>
-            <ac:spMk id="7" creationId="{A56E8588-14A6-A1B9-D569-B7DF27832CA0}"/>
-          </ac:spMkLst>
-        </pc:spChg>
-        <pc:spChg chg="add mod">
-          <ac:chgData name="Bini Teklehaimanot" userId="b19ea2b96be4e73e" providerId="LiveId" clId="{1369F96E-380B-47D6-86FF-3AD883AD1ACB}" dt="2025-04-07T02:02:16.790" v="731" actId="403"/>
+          <ac:chgData name="Bini Teklehaimanot" userId="b19ea2b96be4e73e" providerId="LiveId" clId="{1369F96E-380B-47D6-86FF-3AD883AD1ACB}" dt="2025-05-14T03:45:13.829" v="1243" actId="1076"/>
           <ac:spMkLst>
             <pc:docMk/>
             <pc:sldMk cId="2881765800" sldId="288"/>
@@ -586,14 +394,6 @@
             <ac:spMk id="9" creationId="{4FAE1107-CEC3-4041-8BAA-CDB6F6759B35}"/>
           </ac:spMkLst>
         </pc:spChg>
-        <pc:picChg chg="add del">
-          <ac:chgData name="Bini Teklehaimanot" userId="b19ea2b96be4e73e" providerId="LiveId" clId="{1369F96E-380B-47D6-86FF-3AD883AD1ACB}" dt="2025-04-07T00:07:31.867" v="93" actId="478"/>
-          <ac:picMkLst>
-            <pc:docMk/>
-            <pc:sldMk cId="2881765800" sldId="288"/>
-            <ac:picMk id="4" creationId="{4447EE33-BA9A-963B-A57E-D611CA5BE2FB}"/>
-          </ac:picMkLst>
-        </pc:picChg>
         <pc:picChg chg="add mod ord">
           <ac:chgData name="Bini Teklehaimanot" userId="b19ea2b96be4e73e" providerId="LiveId" clId="{1369F96E-380B-47D6-86FF-3AD883AD1ACB}" dt="2025-04-07T00:12:34.387" v="102" actId="26606"/>
           <ac:picMkLst>
@@ -602,16 +402,8 @@
             <ac:picMk id="4" creationId="{50C395E0-D930-8151-AFCC-0899575B9774}"/>
           </ac:picMkLst>
         </pc:picChg>
-        <pc:picChg chg="del">
-          <ac:chgData name="Bini Teklehaimanot" userId="b19ea2b96be4e73e" providerId="LiveId" clId="{1369F96E-380B-47D6-86FF-3AD883AD1ACB}" dt="2025-04-06T23:56:52.820" v="48" actId="478"/>
-          <ac:picMkLst>
-            <pc:docMk/>
-            <pc:sldMk cId="2881765800" sldId="288"/>
-            <ac:picMk id="5" creationId="{6FB2A374-F862-3999-F89B-3B73243EDBD8}"/>
-          </ac:picMkLst>
-        </pc:picChg>
-        <pc:picChg chg="add mod">
-          <ac:chgData name="Bini Teklehaimanot" userId="b19ea2b96be4e73e" providerId="LiveId" clId="{1369F96E-380B-47D6-86FF-3AD883AD1ACB}" dt="2025-04-07T02:02:30.682" v="734" actId="1076"/>
+        <pc:picChg chg="add del mod">
+          <ac:chgData name="Bini Teklehaimanot" userId="b19ea2b96be4e73e" providerId="LiveId" clId="{1369F96E-380B-47D6-86FF-3AD883AD1ACB}" dt="2025-05-14T03:38:58.353" v="1215" actId="478"/>
           <ac:picMkLst>
             <pc:docMk/>
             <pc:sldMk cId="2881765800" sldId="288"/>
@@ -3936,7 +3728,7 @@
           <a:p>
             <a:fld id="{E15D2921-305A-43B2-BEBF-A14C92166130}" type="datetimeFigureOut">
               <a:rPr lang="en-US" smtClean="0"/>
-              <a:t>4/6/2025</a:t>
+              <a:t>5/13/2025</a:t>
             </a:fld>
             <a:endParaRPr lang="en-US"/>
           </a:p>
@@ -13572,7 +13364,7 @@
           <a:p>
             <a:fld id="{88D38747-4367-4BD2-8D51-C97E202738E2}" type="datetime1">
               <a:rPr lang="en-US" smtClean="0"/>
-              <a:t>4/6/2025</a:t>
+              <a:t>5/13/2025</a:t>
             </a:fld>
             <a:endParaRPr lang="en-US" dirty="0"/>
           </a:p>
@@ -13780,7 +13572,7 @@
           <a:p>
             <a:fld id="{073ED0CC-082F-4160-86E5-0D6041F12778}" type="datetime1">
               <a:rPr lang="en-US" smtClean="0"/>
-              <a:t>4/6/2025</a:t>
+              <a:t>5/13/2025</a:t>
             </a:fld>
             <a:endParaRPr lang="en-US" dirty="0"/>
           </a:p>
@@ -13961,7 +13753,7 @@
           <a:p>
             <a:fld id="{073ED0CC-082F-4160-86E5-0D6041F12778}" type="datetime1">
               <a:rPr lang="en-US" smtClean="0"/>
-              <a:t>4/6/2025</a:t>
+              <a:t>5/13/2025</a:t>
             </a:fld>
             <a:endParaRPr lang="en-US" dirty="0"/>
           </a:p>
@@ -14167,7 +13959,7 @@
           <a:p>
             <a:fld id="{73C55A3C-5767-4844-A0A3-83778C2E5409}" type="datetime1">
               <a:rPr lang="en-US" smtClean="0"/>
-              <a:t>4/6/2025</a:t>
+              <a:t>5/13/2025</a:t>
             </a:fld>
             <a:endParaRPr lang="en-US" dirty="0"/>
           </a:p>
@@ -23065,7 +22857,7 @@
           <a:p>
             <a:fld id="{CAE507A8-A5CF-4D38-AB86-7EDDA87A85D4}" type="datetime1">
               <a:rPr lang="en-US" smtClean="0"/>
-              <a:t>4/6/2025</a:t>
+              <a:t>5/13/2025</a:t>
             </a:fld>
             <a:endParaRPr lang="en-US" dirty="0"/>
           </a:p>
@@ -23340,7 +23132,7 @@
           <a:p>
             <a:fld id="{BDFCD27C-8599-43EF-BA1D-14DDC1946E06}" type="datetime1">
               <a:rPr lang="en-US" smtClean="0"/>
-              <a:t>4/6/2025</a:t>
+              <a:t>5/13/2025</a:t>
             </a:fld>
             <a:endParaRPr lang="en-US" dirty="0"/>
           </a:p>
@@ -23738,7 +23530,7 @@
           <a:p>
             <a:fld id="{49343D99-809A-49C0-96E5-4250D0B498EE}" type="datetime1">
               <a:rPr lang="en-US" smtClean="0"/>
-              <a:t>4/6/2025</a:t>
+              <a:t>5/13/2025</a:t>
             </a:fld>
             <a:endParaRPr lang="en-US" dirty="0"/>
           </a:p>
@@ -23856,7 +23648,7 @@
           <a:p>
             <a:fld id="{A143DE9B-B678-4EFB-BB7D-A4370204A0B0}" type="datetime1">
               <a:rPr lang="en-US" smtClean="0"/>
-              <a:t>4/6/2025</a:t>
+              <a:t>5/13/2025</a:t>
             </a:fld>
             <a:endParaRPr lang="en-US" dirty="0"/>
           </a:p>
@@ -23951,7 +23743,7 @@
           <a:p>
             <a:fld id="{E68812DA-F765-4142-A6A3-A8ED7235E082}" type="datetime1">
               <a:rPr lang="en-US" smtClean="0"/>
-              <a:t>4/6/2025</a:t>
+              <a:t>5/13/2025</a:t>
             </a:fld>
             <a:endParaRPr lang="en-US" dirty="0"/>
           </a:p>
@@ -24241,7 +24033,7 @@
           <a:p>
             <a:fld id="{3E0277FD-7DE6-41D4-930D-AC99F5AFE54E}" type="datetime1">
               <a:rPr lang="en-US" smtClean="0"/>
-              <a:t>4/6/2025</a:t>
+              <a:t>5/13/2025</a:t>
             </a:fld>
             <a:endParaRPr lang="en-US" dirty="0"/>
           </a:p>
@@ -24522,7 +24314,7 @@
           <a:p>
             <a:fld id="{9EA15526-7079-4B7B-987C-1B5FAE11A0FF}" type="datetime1">
               <a:rPr lang="en-US" smtClean="0"/>
-              <a:t>4/6/2025</a:t>
+              <a:t>5/13/2025</a:t>
             </a:fld>
             <a:endParaRPr lang="en-US" dirty="0"/>
           </a:p>
@@ -24773,7 +24565,7 @@
           <a:p>
             <a:fld id="{073ED0CC-082F-4160-86E5-0D6041F12778}" type="datetime1">
               <a:rPr lang="en-US" smtClean="0"/>
-              <a:t>4/6/2025</a:t>
+              <a:t>5/13/2025</a:t>
             </a:fld>
             <a:endParaRPr lang="en-US" dirty="0"/>
           </a:p>
@@ -25615,8 +25407,8 @@
         </p:nvSpPr>
         <p:spPr>
           <a:xfrm>
-            <a:off x="7532710" y="620722"/>
-            <a:ext cx="3518748" cy="1142462"/>
+            <a:off x="7532710" y="544604"/>
+            <a:ext cx="3518748" cy="741936"/>
           </a:xfrm>
         </p:spPr>
         <p:txBody>
@@ -25656,13 +25448,13 @@
         </p:nvSpPr>
         <p:spPr>
           <a:xfrm>
-            <a:off x="7532710" y="1822449"/>
-            <a:ext cx="3479419" cy="3919716"/>
+            <a:off x="7532710" y="1286540"/>
+            <a:ext cx="3881228" cy="4455625"/>
           </a:xfrm>
         </p:spPr>
         <p:txBody>
           <a:bodyPr anchor="t">
-            <a:normAutofit fontScale="92500"/>
+            <a:normAutofit fontScale="32500" lnSpcReduction="20000"/>
           </a:bodyPr>
           <a:lstStyle/>
           <a:p>
@@ -25674,76 +25466,97 @@
           </a:p>
           <a:p>
             <a:pPr>
+              <a:lnSpc>
+                <a:spcPct val="120000"/>
+              </a:lnSpc>
               <a:buFont typeface="Wingdings" panose="05000000000000000000" pitchFamily="2" charset="2"/>
               <a:buChar char="Ø"/>
             </a:pPr>
             <a:r>
-              <a:rPr lang="en-US" sz="2600" dirty="0">
+              <a:rPr lang="en-US" sz="4300" dirty="0">
                 <a:solidFill>
                   <a:schemeClr val="accent2">
                     <a:lumMod val="50000"/>
                   </a:schemeClr>
                 </a:solidFill>
               </a:rPr>
-              <a:t>What factors influence healthcare access?</a:t>
+              <a:t>Goal: Investigate geographic disparities in healthcare access among Black Americans across all 50 U.S. states.</a:t>
             </a:r>
           </a:p>
           <a:p>
             <a:pPr>
-              <a:buFont typeface="Wingdings" panose="05000000000000000000" pitchFamily="2" charset="2"/>
-              <a:buChar char="Ø"/>
-            </a:pPr>
-            <a:endParaRPr lang="en-US" sz="2600" dirty="0">
-              <a:solidFill>
-                <a:schemeClr val="accent2">
-                  <a:lumMod val="50000"/>
-                </a:schemeClr>
-              </a:solidFill>
-            </a:endParaRPr>
-          </a:p>
-          <a:p>
-            <a:pPr>
+              <a:lnSpc>
+                <a:spcPct val="120000"/>
+              </a:lnSpc>
               <a:buFont typeface="Wingdings" panose="05000000000000000000" pitchFamily="2" charset="2"/>
               <a:buChar char="Ø"/>
             </a:pPr>
             <a:r>
-              <a:rPr lang="en-US" sz="2600" dirty="0">
+              <a:rPr lang="en-US" sz="4300" dirty="0">
                 <a:solidFill>
                   <a:schemeClr val="accent2">
                     <a:lumMod val="50000"/>
                   </a:schemeClr>
                 </a:solidFill>
               </a:rPr>
-              <a:t>Improve access for all races</a:t>
+              <a:t>Focus Factors: Analyze correlations with the availability of primary care providers and household income levels.</a:t>
             </a:r>
           </a:p>
           <a:p>
             <a:pPr>
-              <a:buFont typeface="Wingdings" panose="05000000000000000000" pitchFamily="2" charset="2"/>
-              <a:buChar char="Ø"/>
-            </a:pPr>
-            <a:endParaRPr lang="en-US" sz="2600" dirty="0">
-              <a:solidFill>
-                <a:schemeClr val="accent2">
-                  <a:lumMod val="50000"/>
-                </a:schemeClr>
-              </a:solidFill>
-            </a:endParaRPr>
-          </a:p>
-          <a:p>
-            <a:pPr>
+              <a:lnSpc>
+                <a:spcPct val="120000"/>
+              </a:lnSpc>
               <a:buFont typeface="Wingdings" panose="05000000000000000000" pitchFamily="2" charset="2"/>
               <a:buChar char="Ø"/>
             </a:pPr>
             <a:r>
-              <a:rPr lang="en-US" sz="2600" dirty="0">
+              <a:rPr lang="en-US" sz="4300" dirty="0">
                 <a:solidFill>
                   <a:schemeClr val="accent2">
                     <a:lumMod val="50000"/>
                   </a:schemeClr>
                 </a:solidFill>
               </a:rPr>
-              <a:t>Decrease discriminations that hinder access</a:t>
+              <a:t>Data Source: 2023 CDC National Health Interview Survey (NHIS) - Medicare &amp; Medicaid respondents.</a:t>
+            </a:r>
+          </a:p>
+          <a:p>
+            <a:pPr>
+              <a:lnSpc>
+                <a:spcPct val="120000"/>
+              </a:lnSpc>
+              <a:buFont typeface="Wingdings" panose="05000000000000000000" pitchFamily="2" charset="2"/>
+              <a:buChar char="Ø"/>
+            </a:pPr>
+            <a:r>
+              <a:rPr lang="en-US" sz="4300" dirty="0">
+                <a:solidFill>
+                  <a:schemeClr val="accent2">
+                    <a:lumMod val="50000"/>
+                  </a:schemeClr>
+                </a:solidFill>
+              </a:rPr>
+              <a:t>Outcome: Identify actionable patterns to inform equitable healthcare access strategies.</a:t>
+            </a:r>
+          </a:p>
+          <a:p>
+            <a:pPr>
+              <a:lnSpc>
+                <a:spcPct val="120000"/>
+              </a:lnSpc>
+              <a:buFont typeface="Wingdings" panose="05000000000000000000" pitchFamily="2" charset="2"/>
+              <a:buChar char="Ø"/>
+            </a:pPr>
+            <a:r>
+              <a:rPr lang="en-US" sz="4300" dirty="0">
+                <a:solidFill>
+                  <a:schemeClr val="accent2">
+                    <a:lumMod val="50000"/>
+                  </a:schemeClr>
+                </a:solidFill>
+              </a:rPr>
+              <a:t>EDA Insight: Original occupation data was insufficient, leading to integration of CDC and ZIP-level data to align state and ZIP-only records. Early patterns were unclear, but correlation analysis revealed emerging trends. Key learning: improve memory and storage efficiency.</a:t>
             </a:r>
           </a:p>
         </p:txBody>
@@ -25848,6 +25661,35 @@
           <a:chExt cx="0" cy="0"/>
         </a:xfrm>
       </p:grpSpPr>
+      <p:pic>
+        <p:nvPicPr>
+          <p:cNvPr id="4" name="Content Placeholder 3" descr="Create an image with no people that represents a data science capstone presentation. Include elements such as data charts, graphs, and analytical tools. Use a professional and clean design with a focus on technology and data analysis. Incorporate colors like blue and white to convey a sense of trust and clarity.">
+            <a:extLst>
+              <a:ext uri="{FF2B5EF4-FFF2-40B4-BE49-F238E27FC236}">
+                <a16:creationId xmlns:a16="http://schemas.microsoft.com/office/drawing/2014/main" id="{D1E17D70-4C17-AFC6-36F1-77A7880C8BC2}"/>
+              </a:ext>
+            </a:extLst>
+          </p:cNvPr>
+          <p:cNvPicPr>
+            <a:picLocks noChangeAspect="1"/>
+          </p:cNvPicPr>
+          <p:nvPr/>
+        </p:nvPicPr>
+        <p:blipFill>
+          <a:blip r:embed="rId3"/>
+          <a:srcRect l="2186" r="3" b="3"/>
+          <a:stretch/>
+        </p:blipFill>
+        <p:spPr>
+          <a:xfrm>
+            <a:off x="6096000" y="640080"/>
+            <a:ext cx="5455921" cy="5577840"/>
+          </a:xfrm>
+          <a:prstGeom prst="rect">
+            <a:avLst/>
+          </a:prstGeom>
+        </p:spPr>
+      </p:pic>
       <p:sp>
         <p:nvSpPr>
           <p:cNvPr id="11" name="Rectangle 10">
@@ -25929,7 +25771,7 @@
         </p:nvSpPr>
         <p:spPr>
           <a:xfrm>
-            <a:off x="1024129" y="585216"/>
+            <a:off x="1024129" y="241108"/>
             <a:ext cx="3779085" cy="1499616"/>
           </a:xfrm>
         </p:spPr>
@@ -26022,45 +25864,16 @@
           </p:nvPr>
         </p:nvPicPr>
         <p:blipFill>
-          <a:blip r:embed="rId3"/>
+          <a:blip r:embed="rId4"/>
           <a:stretch>
             <a:fillRect/>
           </a:stretch>
         </p:blipFill>
         <p:spPr>
           <a:xfrm>
-            <a:off x="1024129" y="4594859"/>
+            <a:off x="5961889" y="4128163"/>
             <a:ext cx="3046087" cy="2089757"/>
           </a:xfrm>
-        </p:spPr>
-      </p:pic>
-      <p:pic>
-        <p:nvPicPr>
-          <p:cNvPr id="4" name="Content Placeholder 3" descr="Create an image with no people that represents a data science capstone presentation. Include elements such as data charts, graphs, and analytical tools. Use a professional and clean design with a focus on technology and data analysis. Incorporate colors like blue and white to convey a sense of trust and clarity.">
-            <a:extLst>
-              <a:ext uri="{FF2B5EF4-FFF2-40B4-BE49-F238E27FC236}">
-                <a16:creationId xmlns:a16="http://schemas.microsoft.com/office/drawing/2014/main" id="{D1E17D70-4C17-AFC6-36F1-77A7880C8BC2}"/>
-              </a:ext>
-            </a:extLst>
-          </p:cNvPr>
-          <p:cNvPicPr>
-            <a:picLocks noChangeAspect="1"/>
-          </p:cNvPicPr>
-          <p:nvPr/>
-        </p:nvPicPr>
-        <p:blipFill>
-          <a:blip r:embed="rId4"/>
-          <a:srcRect l="2186" r="3" b="3"/>
-          <a:stretch/>
-        </p:blipFill>
-        <p:spPr>
-          <a:xfrm>
-            <a:off x="6096000" y="640080"/>
-            <a:ext cx="5455921" cy="5577840"/>
-          </a:xfrm>
-          <a:prstGeom prst="rect">
-            <a:avLst/>
-          </a:prstGeom>
         </p:spPr>
       </p:pic>
       <p:sp>
@@ -26077,8 +25890,8 @@
         </p:nvSpPr>
         <p:spPr>
           <a:xfrm>
-            <a:off x="245708" y="2263141"/>
-            <a:ext cx="5050742" cy="1631216"/>
+            <a:off x="392971" y="1906487"/>
+            <a:ext cx="5041400" cy="4093428"/>
           </a:xfrm>
           <a:prstGeom prst="rect">
             <a:avLst/>
@@ -26086,7 +25899,7 @@
           <a:noFill/>
         </p:spPr>
         <p:txBody>
-          <a:bodyPr wrap="none" rtlCol="0">
+          <a:bodyPr wrap="square" rtlCol="0">
             <a:spAutoFit/>
           </a:bodyPr>
           <a:lstStyle/>
@@ -26101,7 +25914,7 @@
                   <a:schemeClr val="bg2"/>
                 </a:solidFill>
               </a:rPr>
-              <a:t>Improvement in Vigilance improves Access</a:t>
+              <a:t>A 20% improvement in perceived safety from discrimination (i.e., reduced need for vigilance) leads to a 0.6% increase in healthcare access, double the gain compared to reducing experienced discrimination alone.</a:t>
             </a:r>
           </a:p>
           <a:p>
@@ -26126,7 +25939,7 @@
                   <a:schemeClr val="bg2"/>
                 </a:solidFill>
               </a:rPr>
-              <a:t>Decrease in Discrimination Improves Access</a:t>
+              <a:t>Even modest reductions in discrimination show measurable gains in access. A 20% decrease in discrimination leads to the largest positive shift in access, highlighting its critical role in healthcare equity.</a:t>
             </a:r>
           </a:p>
           <a:p>
@@ -26330,7 +26143,7 @@
         <p:spPr>
           <a:xfrm>
             <a:off x="327547" y="321733"/>
-            <a:ext cx="7058306" cy="4107392"/>
+            <a:ext cx="5424776" cy="4107392"/>
           </a:xfrm>
           <a:prstGeom prst="rect">
             <a:avLst/>
@@ -26400,35 +26213,407 @@
           </a:p>
         </p:txBody>
       </p:sp>
-      <p:sp>
-        <p:nvSpPr>
-          <p:cNvPr id="10" name="Content Placeholder 7">
+      <p:graphicFrame>
+        <p:nvGraphicFramePr>
+          <p:cNvPr id="3" name="Table 2">
             <a:extLst>
               <a:ext uri="{FF2B5EF4-FFF2-40B4-BE49-F238E27FC236}">
-                <a16:creationId xmlns:a16="http://schemas.microsoft.com/office/drawing/2014/main" id="{021428E1-775E-65D2-B3D3-5642B0BFFD43}"/>
+                <a16:creationId xmlns:a16="http://schemas.microsoft.com/office/drawing/2014/main" id="{9CE18314-ED40-08EC-48FB-9BC7C41A3A64}"/>
               </a:ext>
             </a:extLst>
           </p:cNvPr>
-          <p:cNvSpPr>
-            <a:spLocks noGrp="1"/>
-          </p:cNvSpPr>
+          <p:cNvGraphicFramePr>
+            <a:graphicFrameLocks noGrp="1"/>
+          </p:cNvGraphicFramePr>
           <p:nvPr>
-            <p:ph idx="1"/>
+            <p:extLst>
+              <p:ext uri="{D42A27DB-BD31-4B8C-83A1-F6EECF244321}">
+                <p14:modId xmlns:p14="http://schemas.microsoft.com/office/powerpoint/2010/main" val="1985710802"/>
+              </p:ext>
+            </p:extLst>
           </p:nvPr>
+        </p:nvGraphicFramePr>
+        <p:xfrm>
+          <a:off x="5989088" y="321731"/>
+          <a:ext cx="5875365" cy="3995086"/>
+        </p:xfrm>
+        <a:graphic>
+          <a:graphicData uri="http://schemas.openxmlformats.org/drawingml/2006/table">
+            <a:tbl>
+              <a:tblPr firstRow="1" bandRow="1">
+                <a:effectLst>
+                  <a:outerShdw blurRad="50800" dist="50800" dir="5400000" algn="ctr" rotWithShape="0">
+                    <a:srgbClr val="000000">
+                      <a:alpha val="0"/>
+                    </a:srgbClr>
+                  </a:outerShdw>
+                </a:effectLst>
+                <a:tableStyleId>{5C22544A-7EE6-4342-B048-85BDC9FD1C3A}</a:tableStyleId>
+              </a:tblPr>
+              <a:tblGrid>
+                <a:gridCol w="1175073">
+                  <a:extLst>
+                    <a:ext uri="{9D8B030D-6E8A-4147-A177-3AD203B41FA5}">
+                      <a16:colId xmlns:a16="http://schemas.microsoft.com/office/drawing/2014/main" val="1402836763"/>
+                    </a:ext>
+                  </a:extLst>
+                </a:gridCol>
+                <a:gridCol w="883203">
+                  <a:extLst>
+                    <a:ext uri="{9D8B030D-6E8A-4147-A177-3AD203B41FA5}">
+                      <a16:colId xmlns:a16="http://schemas.microsoft.com/office/drawing/2014/main" val="2448271402"/>
+                    </a:ext>
+                  </a:extLst>
+                </a:gridCol>
+                <a:gridCol w="1116418">
+                  <a:extLst>
+                    <a:ext uri="{9D8B030D-6E8A-4147-A177-3AD203B41FA5}">
+                      <a16:colId xmlns:a16="http://schemas.microsoft.com/office/drawing/2014/main" val="2011122689"/>
+                    </a:ext>
+                  </a:extLst>
+                </a:gridCol>
+                <a:gridCol w="1169582">
+                  <a:extLst>
+                    <a:ext uri="{9D8B030D-6E8A-4147-A177-3AD203B41FA5}">
+                      <a16:colId xmlns:a16="http://schemas.microsoft.com/office/drawing/2014/main" val="4209976414"/>
+                    </a:ext>
+                  </a:extLst>
+                </a:gridCol>
+                <a:gridCol w="1531089">
+                  <a:extLst>
+                    <a:ext uri="{9D8B030D-6E8A-4147-A177-3AD203B41FA5}">
+                      <a16:colId xmlns:a16="http://schemas.microsoft.com/office/drawing/2014/main" val="2634775691"/>
+                    </a:ext>
+                  </a:extLst>
+                </a:gridCol>
+              </a:tblGrid>
+              <a:tr h="707463">
+                <a:tc>
+                  <a:txBody>
+                    <a:bodyPr/>
+                    <a:lstStyle/>
+                    <a:p>
+                      <a:r>
+                        <a:rPr lang="en-US" sz="1400" dirty="0"/>
+                        <a:t>Model</a:t>
+                      </a:r>
+                    </a:p>
+                  </a:txBody>
+                  <a:tcPr anchor="ctr"/>
+                </a:tc>
+                <a:tc>
+                  <a:txBody>
+                    <a:bodyPr/>
+                    <a:lstStyle/>
+                    <a:p>
+                      <a:r>
+                        <a:rPr lang="en-US" sz="1400" dirty="0"/>
+                        <a:t>MAE (CV Mean)</a:t>
+                      </a:r>
+                    </a:p>
+                  </a:txBody>
+                  <a:tcPr anchor="ctr"/>
+                </a:tc>
+                <a:tc>
+                  <a:txBody>
+                    <a:bodyPr/>
+                    <a:lstStyle/>
+                    <a:p>
+                      <a:r>
+                        <a:rPr lang="en-US" sz="1400" dirty="0"/>
+                        <a:t>Std Dev (CV)</a:t>
+                      </a:r>
+                    </a:p>
+                  </a:txBody>
+                  <a:tcPr anchor="ctr"/>
+                </a:tc>
+                <a:tc>
+                  <a:txBody>
+                    <a:bodyPr/>
+                    <a:lstStyle/>
+                    <a:p>
+                      <a:r>
+                        <a:rPr lang="en-US" sz="1400" dirty="0"/>
+                        <a:t>Test MAE</a:t>
+                      </a:r>
+                    </a:p>
+                  </a:txBody>
+                  <a:tcPr anchor="ctr"/>
+                </a:tc>
+                <a:tc>
+                  <a:txBody>
+                    <a:bodyPr/>
+                    <a:lstStyle/>
+                    <a:p>
+                      <a:r>
+                        <a:rPr lang="en-US" sz="1400"/>
+                        <a:t>Notes</a:t>
+                      </a:r>
+                    </a:p>
+                  </a:txBody>
+                  <a:tcPr anchor="ctr"/>
+                </a:tc>
+                <a:extLst>
+                  <a:ext uri="{0D108BD9-81ED-4DB2-BD59-A6C34878D82A}">
+                    <a16:rowId xmlns:a16="http://schemas.microsoft.com/office/drawing/2014/main" val="4034913944"/>
+                  </a:ext>
+                </a:extLst>
+              </a:tr>
+              <a:tr h="707463">
+                <a:tc>
+                  <a:txBody>
+                    <a:bodyPr/>
+                    <a:lstStyle/>
+                    <a:p>
+                      <a:r>
+                        <a:rPr lang="en-US" sz="1400" b="1"/>
+                        <a:t>Linear Regression</a:t>
+                      </a:r>
+                      <a:endParaRPr lang="en-US" sz="1400"/>
+                    </a:p>
+                  </a:txBody>
+                  <a:tcPr anchor="ctr"/>
+                </a:tc>
+                <a:tc>
+                  <a:txBody>
+                    <a:bodyPr/>
+                    <a:lstStyle/>
+                    <a:p>
+                      <a:r>
+                        <a:rPr lang="en-US" sz="1400"/>
+                        <a:t>0.3179</a:t>
+                      </a:r>
+                    </a:p>
+                  </a:txBody>
+                  <a:tcPr anchor="ctr"/>
+                </a:tc>
+                <a:tc>
+                  <a:txBody>
+                    <a:bodyPr/>
+                    <a:lstStyle/>
+                    <a:p>
+                      <a:r>
+                        <a:rPr lang="en-US" sz="1400" dirty="0"/>
+                        <a:t>0.0015</a:t>
+                      </a:r>
+                    </a:p>
+                  </a:txBody>
+                  <a:tcPr anchor="ctr"/>
+                </a:tc>
+                <a:tc>
+                  <a:txBody>
+                    <a:bodyPr/>
+                    <a:lstStyle/>
+                    <a:p>
+                      <a:r>
+                        <a:rPr lang="en-US" sz="1400" dirty="0"/>
+                        <a:t>0.3214</a:t>
+                      </a:r>
+                    </a:p>
+                  </a:txBody>
+                  <a:tcPr anchor="ctr"/>
+                </a:tc>
+                <a:tc>
+                  <a:txBody>
+                    <a:bodyPr/>
+                    <a:lstStyle/>
+                    <a:p>
+                      <a:r>
+                        <a:rPr lang="en-US" sz="1400"/>
+                        <a:t>Worst performer in all metrics</a:t>
+                      </a:r>
+                    </a:p>
+                  </a:txBody>
+                  <a:tcPr anchor="ctr"/>
+                </a:tc>
+                <a:extLst>
+                  <a:ext uri="{0D108BD9-81ED-4DB2-BD59-A6C34878D82A}">
+                    <a16:rowId xmlns:a16="http://schemas.microsoft.com/office/drawing/2014/main" val="3664404475"/>
+                  </a:ext>
+                </a:extLst>
+              </a:tr>
+              <a:tr h="1290080">
+                <a:tc>
+                  <a:txBody>
+                    <a:bodyPr/>
+                    <a:lstStyle/>
+                    <a:p>
+                      <a:r>
+                        <a:rPr lang="en-US" sz="1400" b="1"/>
+                        <a:t>Random Forest</a:t>
+                      </a:r>
+                      <a:endParaRPr lang="en-US" sz="1400"/>
+                    </a:p>
+                  </a:txBody>
+                  <a:tcPr anchor="ctr"/>
+                </a:tc>
+                <a:tc>
+                  <a:txBody>
+                    <a:bodyPr/>
+                    <a:lstStyle/>
+                    <a:p>
+                      <a:r>
+                        <a:rPr lang="en-US" sz="1400" b="1"/>
+                        <a:t>0.1052</a:t>
+                      </a:r>
+                      <a:endParaRPr lang="en-US" sz="1400"/>
+                    </a:p>
+                  </a:txBody>
+                  <a:tcPr anchor="ctr"/>
+                </a:tc>
+                <a:tc>
+                  <a:txBody>
+                    <a:bodyPr/>
+                    <a:lstStyle/>
+                    <a:p>
+                      <a:r>
+                        <a:rPr lang="en-US" sz="1400" b="1" dirty="0"/>
+                        <a:t>0.0014</a:t>
+                      </a:r>
+                      <a:endParaRPr lang="en-US" sz="1400" dirty="0"/>
+                    </a:p>
+                  </a:txBody>
+                  <a:tcPr anchor="ctr"/>
+                </a:tc>
+                <a:tc>
+                  <a:txBody>
+                    <a:bodyPr/>
+                    <a:lstStyle/>
+                    <a:p>
+                      <a:r>
+                        <a:rPr lang="en-US" sz="1400" b="1" dirty="0"/>
+                        <a:t>0.0766</a:t>
+                      </a:r>
+                      <a:endParaRPr lang="en-US" sz="1400" dirty="0"/>
+                    </a:p>
+                  </a:txBody>
+                  <a:tcPr anchor="ctr"/>
+                </a:tc>
+                <a:tc>
+                  <a:txBody>
+                    <a:bodyPr/>
+                    <a:lstStyle/>
+                    <a:p>
+                      <a:r>
+                        <a:rPr lang="en-US" sz="1400" dirty="0"/>
+                        <a:t>Best overall — highest accuracy, stability, and generalization</a:t>
+                      </a:r>
+                    </a:p>
+                  </a:txBody>
+                  <a:tcPr anchor="ctr"/>
+                </a:tc>
+                <a:extLst>
+                  <a:ext uri="{0D108BD9-81ED-4DB2-BD59-A6C34878D82A}">
+                    <a16:rowId xmlns:a16="http://schemas.microsoft.com/office/drawing/2014/main" val="1521841522"/>
+                  </a:ext>
+                </a:extLst>
+              </a:tr>
+              <a:tr h="1290080">
+                <a:tc>
+                  <a:txBody>
+                    <a:bodyPr/>
+                    <a:lstStyle/>
+                    <a:p>
+                      <a:r>
+                        <a:rPr lang="en-US" sz="1400" b="1" dirty="0" err="1"/>
+                        <a:t>LightGBM</a:t>
+                      </a:r>
+                      <a:endParaRPr lang="en-US" sz="1400" dirty="0"/>
+                    </a:p>
+                  </a:txBody>
+                  <a:tcPr anchor="ctr"/>
+                </a:tc>
+                <a:tc>
+                  <a:txBody>
+                    <a:bodyPr/>
+                    <a:lstStyle/>
+                    <a:p>
+                      <a:r>
+                        <a:rPr lang="en-US" sz="1400"/>
+                        <a:t>0.1896</a:t>
+                      </a:r>
+                    </a:p>
+                  </a:txBody>
+                  <a:tcPr anchor="ctr"/>
+                </a:tc>
+                <a:tc>
+                  <a:txBody>
+                    <a:bodyPr/>
+                    <a:lstStyle/>
+                    <a:p>
+                      <a:r>
+                        <a:rPr lang="en-US" sz="1400" dirty="0"/>
+                        <a:t>0.0009</a:t>
+                      </a:r>
+                    </a:p>
+                  </a:txBody>
+                  <a:tcPr anchor="ctr"/>
+                </a:tc>
+                <a:tc>
+                  <a:txBody>
+                    <a:bodyPr/>
+                    <a:lstStyle/>
+                    <a:p>
+                      <a:r>
+                        <a:rPr lang="en-US" sz="1400"/>
+                        <a:t>0.1859</a:t>
+                      </a:r>
+                    </a:p>
+                  </a:txBody>
+                  <a:tcPr anchor="ctr"/>
+                </a:tc>
+                <a:tc>
+                  <a:txBody>
+                    <a:bodyPr/>
+                    <a:lstStyle/>
+                    <a:p>
+                      <a:r>
+                        <a:rPr lang="en-US" sz="1400" dirty="0"/>
+                        <a:t>Outperformed LR, but RF was more accurate and stable</a:t>
+                      </a:r>
+                    </a:p>
+                  </a:txBody>
+                  <a:tcPr anchor="ctr"/>
+                </a:tc>
+                <a:extLst>
+                  <a:ext uri="{0D108BD9-81ED-4DB2-BD59-A6C34878D82A}">
+                    <a16:rowId xmlns:a16="http://schemas.microsoft.com/office/drawing/2014/main" val="1006967522"/>
+                  </a:ext>
+                </a:extLst>
+              </a:tr>
+            </a:tbl>
+          </a:graphicData>
+        </a:graphic>
+      </p:graphicFrame>
+      <p:sp>
+        <p:nvSpPr>
+          <p:cNvPr id="7" name="TextBox 6">
+            <a:extLst>
+              <a:ext uri="{FF2B5EF4-FFF2-40B4-BE49-F238E27FC236}">
+                <a16:creationId xmlns:a16="http://schemas.microsoft.com/office/drawing/2014/main" id="{3AF3A458-250E-4E1E-0F64-0315AAAF1DD6}"/>
+              </a:ext>
+            </a:extLst>
+          </p:cNvPr>
+          <p:cNvSpPr txBox="1"/>
+          <p:nvPr/>
         </p:nvSpPr>
         <p:spPr>
           <a:xfrm>
-            <a:off x="8029319" y="917725"/>
-            <a:ext cx="3424739" cy="4852362"/>
+            <a:off x="7683456" y="4623088"/>
+            <a:ext cx="3984288" cy="1477328"/>
           </a:xfrm>
+          <a:prstGeom prst="rect">
+            <a:avLst/>
+          </a:prstGeom>
+          <a:noFill/>
         </p:spPr>
         <p:txBody>
-          <a:bodyPr anchor="t">
-            <a:normAutofit/>
+          <a:bodyPr wrap="square" rtlCol="0">
+            <a:spAutoFit/>
           </a:bodyPr>
           <a:lstStyle/>
           <a:p>
-            <a:pPr>
+            <a:pPr marL="285750" indent="-285750">
               <a:buFont typeface="Wingdings" panose="05000000000000000000" pitchFamily="2" charset="2"/>
               <a:buChar char="Ø"/>
             </a:pPr>
@@ -26438,39 +26623,11 @@
                   <a:schemeClr val="bg2"/>
                 </a:solidFill>
               </a:rPr>
-              <a:t>Linear Regression</a:t>
+              <a:t>Three algorithms tested on target feature access to healthcare</a:t>
             </a:r>
           </a:p>
           <a:p>
-            <a:pPr>
-              <a:buFont typeface="Wingdings" panose="05000000000000000000" pitchFamily="2" charset="2"/>
-              <a:buChar char="Ø"/>
-            </a:pPr>
-            <a:r>
-              <a:rPr lang="en-US" dirty="0">
-                <a:solidFill>
-                  <a:schemeClr val="bg2"/>
-                </a:solidFill>
-              </a:rPr>
-              <a:t> Random Forest Model – best mean MAE, stable Std Dev MAE, and best test set MAE</a:t>
-            </a:r>
-          </a:p>
-          <a:p>
-            <a:pPr>
-              <a:buFont typeface="Wingdings" panose="05000000000000000000" pitchFamily="2" charset="2"/>
-              <a:buChar char="Ø"/>
-            </a:pPr>
-            <a:r>
-              <a:rPr lang="en-US" dirty="0">
-                <a:solidFill>
-                  <a:schemeClr val="bg2"/>
-                </a:solidFill>
-              </a:rPr>
-              <a:t>Light Grading Boosting Model</a:t>
-            </a:r>
-          </a:p>
-          <a:p>
-            <a:pPr>
+            <a:pPr marL="285750" indent="-285750">
               <a:buFont typeface="Wingdings" panose="05000000000000000000" pitchFamily="2" charset="2"/>
               <a:buChar char="Ø"/>
             </a:pPr>
@@ -26481,59 +26638,21 @@
             </a:endParaRPr>
           </a:p>
           <a:p>
-            <a:pPr>
+            <a:pPr marL="285750" indent="-285750">
               <a:buFont typeface="Wingdings" panose="05000000000000000000" pitchFamily="2" charset="2"/>
               <a:buChar char="Ø"/>
             </a:pPr>
-            <a:endParaRPr lang="en-US" dirty="0">
-              <a:solidFill>
-                <a:srgbClr val="FFFFFF"/>
-              </a:solidFill>
-            </a:endParaRPr>
-          </a:p>
-          <a:p>
-            <a:pPr>
-              <a:buFont typeface="Wingdings" panose="05000000000000000000" pitchFamily="2" charset="2"/>
-              <a:buChar char="Ø"/>
-            </a:pPr>
-            <a:endParaRPr lang="en-US" dirty="0">
-              <a:solidFill>
-                <a:srgbClr val="FFFFFF"/>
-              </a:solidFill>
-            </a:endParaRPr>
+            <a:r>
+              <a:rPr lang="en-US" dirty="0">
+                <a:solidFill>
+                  <a:schemeClr val="bg2"/>
+                </a:solidFill>
+              </a:rPr>
+              <a:t>MAE was picked as the parameter across all models</a:t>
+            </a:r>
           </a:p>
         </p:txBody>
       </p:sp>
-      <p:pic>
-        <p:nvPicPr>
-          <p:cNvPr id="14" name="Picture 13">
-            <a:extLst>
-              <a:ext uri="{FF2B5EF4-FFF2-40B4-BE49-F238E27FC236}">
-                <a16:creationId xmlns:a16="http://schemas.microsoft.com/office/drawing/2014/main" id="{6B000FA2-7586-5333-065A-3A2A4F9E4468}"/>
-              </a:ext>
-            </a:extLst>
-          </p:cNvPr>
-          <p:cNvPicPr>
-            <a:picLocks noChangeAspect="1"/>
-          </p:cNvPicPr>
-          <p:nvPr/>
-        </p:nvPicPr>
-        <p:blipFill>
-          <a:blip r:embed="rId4"/>
-          <a:stretch>
-            <a:fillRect/>
-          </a:stretch>
-        </p:blipFill>
-        <p:spPr>
-          <a:xfrm>
-            <a:off x="7651477" y="4246245"/>
-            <a:ext cx="4180422" cy="2227156"/>
-          </a:xfrm>
-          <a:prstGeom prst="rect">
-            <a:avLst/>
-          </a:prstGeom>
-        </p:spPr>
-      </p:pic>
     </p:spTree>
     <p:extLst>
       <p:ext uri="{BB962C8B-B14F-4D97-AF65-F5344CB8AC3E}">
@@ -26659,7 +26778,7 @@
         </p:nvSpPr>
         <p:spPr>
           <a:xfrm>
-            <a:off x="1024129" y="585216"/>
+            <a:off x="1024129" y="219026"/>
             <a:ext cx="3779085" cy="1499616"/>
           </a:xfrm>
         </p:spPr>
@@ -26670,7 +26789,7 @@
           <a:lstStyle/>
           <a:p>
             <a:r>
-              <a:rPr lang="en-US">
+              <a:rPr lang="en-US" dirty="0">
                 <a:solidFill>
                   <a:srgbClr val="FFFFFF"/>
                 </a:solidFill>
@@ -26826,8 +26945,8 @@
         </p:nvSpPr>
         <p:spPr>
           <a:xfrm>
-            <a:off x="228594" y="2498868"/>
-            <a:ext cx="5029204" cy="2215991"/>
+            <a:off x="219672" y="1740724"/>
+            <a:ext cx="5029204" cy="4708981"/>
           </a:xfrm>
           <a:prstGeom prst="rect">
             <a:avLst/>
@@ -26850,7 +26969,7 @@
                   <a:schemeClr val="bg2"/>
                 </a:solidFill>
               </a:rPr>
-              <a:t>The Random Forest Model is chosen for its accuracy and effectiveness in healthcare access</a:t>
+              <a:t>Top Drivers of Access (Medicare Population): Among Medicare patients, wellness score, sex, and marital status emerged as the most influential predictors of access.</a:t>
             </a:r>
           </a:p>
           <a:p>
@@ -26875,7 +26994,7 @@
                   <a:schemeClr val="bg2"/>
                 </a:solidFill>
               </a:rPr>
-              <a:t>Focus on policy changes to improve access</a:t>
+              <a:t>Discrimination &amp; Vigilance Matter: Experienced discrimination and vigilance remain key factors, reinforcing the role of perceived bias in access disparities.</a:t>
             </a:r>
           </a:p>
           <a:p>
@@ -26900,44 +27019,44 @@
                   <a:schemeClr val="bg2"/>
                 </a:solidFill>
               </a:rPr>
-              <a:t>Additional data is not required</a:t>
+              <a:t>Other Notables: Mental health (e.g., </a:t>
             </a:r>
-          </a:p>
-          <a:p>
+            <a:r>
+              <a:rPr lang="en-US" sz="2000" dirty="0" err="1">
+                <a:solidFill>
+                  <a:schemeClr val="bg2"/>
+                </a:solidFill>
+              </a:rPr>
+              <a:t>depev</a:t>
+            </a:r>
+            <a:r>
+              <a:rPr lang="en-US" sz="2000" dirty="0">
+                <a:solidFill>
+                  <a:schemeClr val="bg2"/>
+                </a:solidFill>
+              </a:rPr>
+              <a:t>, </a:t>
+            </a:r>
+            <a:r>
+              <a:rPr lang="en-US" sz="2000" dirty="0" err="1">
+                <a:solidFill>
+                  <a:schemeClr val="bg2"/>
+                </a:solidFill>
+              </a:rPr>
+              <a:t>hearingdf</a:t>
+            </a:r>
+            <a:r>
+              <a:rPr lang="en-US" sz="2000" dirty="0">
+                <a:solidFill>
+                  <a:schemeClr val="bg2"/>
+                </a:solidFill>
+              </a:rPr>
+              <a:t>), race, and education-level proxies also contributed meaningfully. Surprisingly, provider density and cost-sharing variables had lower predictive value.</a:t>
+            </a:r>
             <a:endParaRPr lang="en-US" dirty="0"/>
           </a:p>
         </p:txBody>
       </p:sp>
-      <p:pic>
-        <p:nvPicPr>
-          <p:cNvPr id="10" name="Picture 9">
-            <a:extLst>
-              <a:ext uri="{FF2B5EF4-FFF2-40B4-BE49-F238E27FC236}">
-                <a16:creationId xmlns:a16="http://schemas.microsoft.com/office/drawing/2014/main" id="{2D3B4D2A-F60C-6EC4-4346-FE834BA973F7}"/>
-              </a:ext>
-            </a:extLst>
-          </p:cNvPr>
-          <p:cNvPicPr>
-            <a:picLocks noChangeAspect="1"/>
-          </p:cNvPicPr>
-          <p:nvPr/>
-        </p:nvPicPr>
-        <p:blipFill>
-          <a:blip r:embed="rId4"/>
-          <a:stretch>
-            <a:fillRect/>
-          </a:stretch>
-        </p:blipFill>
-        <p:spPr>
-          <a:xfrm>
-            <a:off x="677095" y="4583700"/>
-            <a:ext cx="4114357" cy="2199330"/>
-          </a:xfrm>
-          <a:prstGeom prst="rect">
-            <a:avLst/>
-          </a:prstGeom>
-        </p:spPr>
-      </p:pic>
     </p:spTree>
     <p:extLst>
       <p:ext uri="{BB962C8B-B14F-4D97-AF65-F5344CB8AC3E}">
@@ -27535,6 +27654,24 @@
 </file>
 
 <file path=customXml/item1.xml><?xml version="1.0" encoding="utf-8"?>
+<?mso-contentType ?>
+<FormTemplates xmlns="http://schemas.microsoft.com/sharepoint/v3/contenttype/forms">
+  <Display>DocumentLibraryForm</Display>
+  <Edit>DocumentLibraryForm</Edit>
+  <New>DocumentLibraryForm</New>
+</FormTemplates>
+</file>
+
+<file path=customXml/item2.xml><?xml version="1.0" encoding="utf-8"?>
+<p:properties xmlns:p="http://schemas.microsoft.com/office/2006/metadata/properties" xmlns:xsi="http://www.w3.org/2001/XMLSchema-instance" xmlns:pc="http://schemas.microsoft.com/office/infopath/2007/PartnerControls">
+  <documentManagement>
+    <Status xmlns="71af3243-3dd4-4a8d-8c0d-dd76da1f02a5">Not started</Status>
+    <MediaServiceKeyPoints xmlns="71af3243-3dd4-4a8d-8c0d-dd76da1f02a5" xsi:nil="true"/>
+  </documentManagement>
+</p:properties>
+</file>
+
+<file path=customXml/item3.xml><?xml version="1.0" encoding="utf-8"?>
 <ct:contentTypeSchema xmlns:ct="http://schemas.microsoft.com/office/2006/metadata/contentType" xmlns:ma="http://schemas.microsoft.com/office/2006/metadata/properties/metaAttributes" ct:_="" ma:_="" ma:contentTypeName="Document" ma:contentTypeID="0x01010079F111ED35F8CC479449609E8A0923A6" ma:contentTypeVersion="12" ma:contentTypeDescription="Create a new document." ma:contentTypeScope="" ma:versionID="a410dd7f93c95333ffa1b60ed6adedd1">
   <xsd:schema xmlns:xsd="http://www.w3.org/2001/XMLSchema" xmlns:xs="http://www.w3.org/2001/XMLSchema" xmlns:p="http://schemas.microsoft.com/office/2006/metadata/properties" xmlns:ns2="71af3243-3dd4-4a8d-8c0d-dd76da1f02a5" xmlns:ns3="16c05727-aa75-4e4a-9b5f-8a80a1165891" targetNamespace="http://schemas.microsoft.com/office/2006/metadata/properties" ma:root="true" ma:fieldsID="a936d9baba76aa3866493feff160faab" ns2:_="" ns3:_="">
     <xsd:import namespace="71af3243-3dd4-4a8d-8c0d-dd76da1f02a5"/>
@@ -27755,25 +27892,25 @@
 </ct:contentTypeSchema>
 </file>
 
-<file path=customXml/item2.xml><?xml version="1.0" encoding="utf-8"?>
-<p:properties xmlns:p="http://schemas.microsoft.com/office/2006/metadata/properties" xmlns:xsi="http://www.w3.org/2001/XMLSchema-instance" xmlns:pc="http://schemas.microsoft.com/office/infopath/2007/PartnerControls">
-  <documentManagement>
-    <Status xmlns="71af3243-3dd4-4a8d-8c0d-dd76da1f02a5">Not started</Status>
-    <MediaServiceKeyPoints xmlns="71af3243-3dd4-4a8d-8c0d-dd76da1f02a5" xsi:nil="true"/>
-  </documentManagement>
-</p:properties>
+<file path=customXml/itemProps1.xml><?xml version="1.0" encoding="utf-8"?>
+<ds:datastoreItem xmlns:ds="http://schemas.openxmlformats.org/officeDocument/2006/customXml" ds:itemID="{30CB38EC-895A-4F8F-8F75-E263501ABB5A}">
+  <ds:schemaRefs>
+    <ds:schemaRef ds:uri="http://schemas.microsoft.com/sharepoint/v3/contenttype/forms"/>
+  </ds:schemaRefs>
+</ds:datastoreItem>
 </file>
 
-<file path=customXml/item3.xml><?xml version="1.0" encoding="utf-8"?>
-<?mso-contentType ?>
-<FormTemplates xmlns="http://schemas.microsoft.com/sharepoint/v3/contenttype/forms">
-  <Display>DocumentLibraryForm</Display>
-  <Edit>DocumentLibraryForm</Edit>
-  <New>DocumentLibraryForm</New>
-</FormTemplates>
+<file path=customXml/itemProps2.xml><?xml version="1.0" encoding="utf-8"?>
+<ds:datastoreItem xmlns:ds="http://schemas.openxmlformats.org/officeDocument/2006/customXml" ds:itemID="{F7E70FC5-1855-47AB-8CE1-CB3C873A8988}">
+  <ds:schemaRefs>
+    <ds:schemaRef ds:uri="http://schemas.microsoft.com/office/2006/metadata/properties"/>
+    <ds:schemaRef ds:uri="http://schemas.microsoft.com/office/infopath/2007/PartnerControls"/>
+    <ds:schemaRef ds:uri="71af3243-3dd4-4a8d-8c0d-dd76da1f02a5"/>
+  </ds:schemaRefs>
+</ds:datastoreItem>
 </file>
 
-<file path=customXml/itemProps1.xml><?xml version="1.0" encoding="utf-8"?>
+<file path=customXml/itemProps3.xml><?xml version="1.0" encoding="utf-8"?>
 <ds:datastoreItem xmlns:ds="http://schemas.openxmlformats.org/officeDocument/2006/customXml" ds:itemID="{5560E646-30AD-4BA0-97EA-A7A07DF5499A}">
   <ds:schemaRefs>
     <ds:schemaRef ds:uri="http://schemas.microsoft.com/office/2006/metadata/contentType"/>
@@ -27790,22 +27927,4 @@
     <ds:schemaRef ds:uri="http://schemas.microsoft.com/internal/obd"/>
   </ds:schemaRefs>
 </ds:datastoreItem>
-</file>
-
-<file path=customXml/itemProps2.xml><?xml version="1.0" encoding="utf-8"?>
-<ds:datastoreItem xmlns:ds="http://schemas.openxmlformats.org/officeDocument/2006/customXml" ds:itemID="{F7E70FC5-1855-47AB-8CE1-CB3C873A8988}">
-  <ds:schemaRefs>
-    <ds:schemaRef ds:uri="http://schemas.microsoft.com/office/2006/metadata/properties"/>
-    <ds:schemaRef ds:uri="http://schemas.microsoft.com/office/infopath/2007/PartnerControls"/>
-    <ds:schemaRef ds:uri="71af3243-3dd4-4a8d-8c0d-dd76da1f02a5"/>
-  </ds:schemaRefs>
-</ds:datastoreItem>
-</file>
-
-<file path=customXml/itemProps3.xml><?xml version="1.0" encoding="utf-8"?>
-<ds:datastoreItem xmlns:ds="http://schemas.openxmlformats.org/officeDocument/2006/customXml" ds:itemID="{30CB38EC-895A-4F8F-8F75-E263501ABB5A}">
-  <ds:schemaRefs>
-    <ds:schemaRef ds:uri="http://schemas.microsoft.com/sharepoint/v3/contenttype/forms"/>
-  </ds:schemaRefs>
-</ds:datastoreItem>
 </file>